--- a/Evacuation Poster.pptx
+++ b/Evacuation Poster.pptx
@@ -107,6 +107,11 @@
       </a:defRPr>
     </a:lvl9pPr>
   </p:defaultTextStyle>
+  <p:extLst>
+    <p:ext uri="{EFAFB233-063F-42B5-8137-9DF3F51BA10A}">
+      <p15:sldGuideLst xmlns:p15="http://schemas.microsoft.com/office/powerpoint/2012/main"/>
+    </p:ext>
+  </p:extLst>
 </p:presentation>
 </file>
 
@@ -6925,7 +6930,7 @@
           <a:p>
             <a:fld id="{F8EF1800-4FB7-4E2B-89C3-CB65E4B697B7}" type="datetimeFigureOut">
               <a:rPr lang="en-US" smtClean="0"/>
-              <a:t>6/10/2018</a:t>
+              <a:t>6/11/2018</a:t>
             </a:fld>
             <a:endParaRPr lang="en-US"/>
           </a:p>
@@ -7323,7 +7328,7 @@
           <a:p>
             <a:fld id="{8672F863-8001-427C-85C2-996FB3A76BE1}" type="datetimeFigureOut">
               <a:rPr lang="en-US" smtClean="0"/>
-              <a:t>6/10/2018</a:t>
+              <a:t>6/11/2018</a:t>
             </a:fld>
             <a:endParaRPr lang="en-US"/>
           </a:p>
@@ -7493,7 +7498,7 @@
           <a:p>
             <a:fld id="{8672F863-8001-427C-85C2-996FB3A76BE1}" type="datetimeFigureOut">
               <a:rPr lang="en-US" smtClean="0"/>
-              <a:t>6/10/2018</a:t>
+              <a:t>6/11/2018</a:t>
             </a:fld>
             <a:endParaRPr lang="en-US"/>
           </a:p>
@@ -7673,7 +7678,7 @@
           <a:p>
             <a:fld id="{8672F863-8001-427C-85C2-996FB3A76BE1}" type="datetimeFigureOut">
               <a:rPr lang="en-US" smtClean="0"/>
-              <a:t>6/10/2018</a:t>
+              <a:t>6/11/2018</a:t>
             </a:fld>
             <a:endParaRPr lang="en-US"/>
           </a:p>
@@ -7843,7 +7848,7 @@
           <a:p>
             <a:fld id="{8672F863-8001-427C-85C2-996FB3A76BE1}" type="datetimeFigureOut">
               <a:rPr lang="en-US" smtClean="0"/>
-              <a:t>6/10/2018</a:t>
+              <a:t>6/11/2018</a:t>
             </a:fld>
             <a:endParaRPr lang="en-US"/>
           </a:p>
@@ -8087,7 +8092,7 @@
           <a:p>
             <a:fld id="{8672F863-8001-427C-85C2-996FB3A76BE1}" type="datetimeFigureOut">
               <a:rPr lang="en-US" smtClean="0"/>
-              <a:t>6/10/2018</a:t>
+              <a:t>6/11/2018</a:t>
             </a:fld>
             <a:endParaRPr lang="en-US"/>
           </a:p>
@@ -8319,7 +8324,7 @@
           <a:p>
             <a:fld id="{8672F863-8001-427C-85C2-996FB3A76BE1}" type="datetimeFigureOut">
               <a:rPr lang="en-US" smtClean="0"/>
-              <a:t>6/10/2018</a:t>
+              <a:t>6/11/2018</a:t>
             </a:fld>
             <a:endParaRPr lang="en-US"/>
           </a:p>
@@ -8686,7 +8691,7 @@
           <a:p>
             <a:fld id="{8672F863-8001-427C-85C2-996FB3A76BE1}" type="datetimeFigureOut">
               <a:rPr lang="en-US" smtClean="0"/>
-              <a:t>6/10/2018</a:t>
+              <a:t>6/11/2018</a:t>
             </a:fld>
             <a:endParaRPr lang="en-US"/>
           </a:p>
@@ -8804,7 +8809,7 @@
           <a:p>
             <a:fld id="{8672F863-8001-427C-85C2-996FB3A76BE1}" type="datetimeFigureOut">
               <a:rPr lang="en-US" smtClean="0"/>
-              <a:t>6/10/2018</a:t>
+              <a:t>6/11/2018</a:t>
             </a:fld>
             <a:endParaRPr lang="en-US"/>
           </a:p>
@@ -8899,7 +8904,7 @@
           <a:p>
             <a:fld id="{8672F863-8001-427C-85C2-996FB3A76BE1}" type="datetimeFigureOut">
               <a:rPr lang="en-US" smtClean="0"/>
-              <a:t>6/10/2018</a:t>
+              <a:t>6/11/2018</a:t>
             </a:fld>
             <a:endParaRPr lang="en-US"/>
           </a:p>
@@ -9176,7 +9181,7 @@
           <a:p>
             <a:fld id="{8672F863-8001-427C-85C2-996FB3A76BE1}" type="datetimeFigureOut">
               <a:rPr lang="en-US" smtClean="0"/>
-              <a:t>6/10/2018</a:t>
+              <a:t>6/11/2018</a:t>
             </a:fld>
             <a:endParaRPr lang="en-US"/>
           </a:p>
@@ -9433,7 +9438,7 @@
           <a:p>
             <a:fld id="{8672F863-8001-427C-85C2-996FB3A76BE1}" type="datetimeFigureOut">
               <a:rPr lang="en-US" smtClean="0"/>
-              <a:t>6/10/2018</a:t>
+              <a:t>6/11/2018</a:t>
             </a:fld>
             <a:endParaRPr lang="en-US"/>
           </a:p>
@@ -9646,7 +9651,7 @@
           <a:p>
             <a:fld id="{8672F863-8001-427C-85C2-996FB3A76BE1}" type="datetimeFigureOut">
               <a:rPr lang="en-US" smtClean="0"/>
-              <a:t>6/10/2018</a:t>
+              <a:t>6/11/2018</a:t>
             </a:fld>
             <a:endParaRPr lang="en-US"/>
           </a:p>
@@ -10168,7 +10173,7 @@
         </p:nvSpPr>
         <p:spPr>
           <a:xfrm>
-            <a:off x="22087840" y="153500"/>
+            <a:off x="22087840" y="225689"/>
             <a:ext cx="10241280" cy="2923877"/>
           </a:xfrm>
           <a:prstGeom prst="rect">
@@ -10267,8 +10272,9 @@
           </a:p>
           <a:p>
             <a:pPr marL="1143000" lvl="1" indent="-685800">
-              <a:buFont typeface="Arial" panose="020B0604020202020204" pitchFamily="34" charset="0"/>
-              <a:buChar char="•"/>
+              <a:buBlip>
+                <a:blip r:embed="rId2"/>
+              </a:buBlip>
             </a:pPr>
             <a:r>
               <a:rPr lang="en-US" sz="3000" dirty="0"/>
@@ -10277,8 +10283,9 @@
           </a:p>
           <a:p>
             <a:pPr marL="1143000" lvl="1" indent="-685800">
-              <a:buFont typeface="Arial" panose="020B0604020202020204" pitchFamily="34" charset="0"/>
-              <a:buChar char="•"/>
+              <a:buBlip>
+                <a:blip r:embed="rId2"/>
+              </a:buBlip>
             </a:pPr>
             <a:r>
               <a:rPr lang="en-US" sz="3000" dirty="0"/>
@@ -10287,8 +10294,9 @@
           </a:p>
           <a:p>
             <a:pPr marL="1143000" lvl="1" indent="-685800">
-              <a:buFont typeface="Arial" panose="020B0604020202020204" pitchFamily="34" charset="0"/>
-              <a:buChar char="•"/>
+              <a:buBlip>
+                <a:blip r:embed="rId2"/>
+              </a:buBlip>
             </a:pPr>
             <a:r>
               <a:rPr lang="en-US" sz="3000" dirty="0"/>
@@ -10311,8 +10319,8 @@
         </p:nvSpPr>
         <p:spPr>
           <a:xfrm>
-            <a:off x="10630219" y="12288686"/>
-            <a:ext cx="10942511" cy="9248686"/>
+            <a:off x="10371666" y="12332439"/>
+            <a:ext cx="11536998" cy="5555367"/>
           </a:xfrm>
           <a:prstGeom prst="rect">
             <a:avLst/>
@@ -10334,94 +10342,52 @@
               <a:rPr lang="en-US" sz="7000" dirty="0"/>
               <a:t>Emergent Behaviors</a:t>
             </a:r>
+            <a:endParaRPr lang="en-US" sz="3000" dirty="0"/>
           </a:p>
           <a:p>
             <a:pPr marL="1143000" lvl="1" indent="-685800">
-              <a:buFont typeface="Arial" panose="020B0604020202020204" pitchFamily="34" charset="0"/>
-              <a:buChar char="•"/>
+              <a:buBlip>
+                <a:blip r:embed="rId2"/>
+              </a:buBlip>
+            </a:pPr>
+            <a:endParaRPr lang="en-US" sz="3000" dirty="0"/>
+          </a:p>
+          <a:p>
+            <a:pPr marL="1143000" lvl="1" indent="-685800">
+              <a:buBlip>
+                <a:blip r:embed="rId2"/>
+              </a:buBlip>
             </a:pPr>
             <a:r>
               <a:rPr lang="en-US" sz="3000" dirty="0"/>
-              <a:t>People clog around exits, forming a circular crowd around the exit:</a:t>
+              <a:t>People clog around exits, forming a 										    circular crowd:</a:t>
             </a:r>
-          </a:p>
-          <a:p>
-            <a:pPr marL="1143000" lvl="1" indent="-685800">
-              <a:buFont typeface="Arial" panose="020B0604020202020204" pitchFamily="34" charset="0"/>
-              <a:buChar char="•"/>
-            </a:pPr>
-            <a:endParaRPr lang="en-US" sz="3000" dirty="0"/>
-          </a:p>
-          <a:p>
-            <a:pPr marL="1143000" lvl="1" indent="-685800">
-              <a:buFont typeface="Arial" panose="020B0604020202020204" pitchFamily="34" charset="0"/>
-              <a:buChar char="•"/>
-            </a:pPr>
-            <a:endParaRPr lang="en-US" sz="3000" dirty="0"/>
-          </a:p>
-          <a:p>
-            <a:pPr marL="1143000" lvl="1" indent="-685800">
-              <a:buFont typeface="Arial" panose="020B0604020202020204" pitchFamily="34" charset="0"/>
-              <a:buChar char="•"/>
-            </a:pPr>
-            <a:endParaRPr lang="en-US" sz="3000" dirty="0"/>
-          </a:p>
-          <a:p>
-            <a:pPr marL="1143000" lvl="1" indent="-685800">
-              <a:buFont typeface="Arial" panose="020B0604020202020204" pitchFamily="34" charset="0"/>
-              <a:buChar char="•"/>
-            </a:pPr>
-            <a:endParaRPr lang="en-US" sz="3000" dirty="0"/>
-          </a:p>
-          <a:p>
-            <a:pPr marL="1143000" lvl="1" indent="-685800">
-              <a:buFont typeface="Arial" panose="020B0604020202020204" pitchFamily="34" charset="0"/>
-              <a:buChar char="•"/>
-            </a:pPr>
-            <a:endParaRPr lang="en-US" sz="3000" dirty="0"/>
           </a:p>
           <a:p>
             <a:pPr lvl="1"/>
             <a:endParaRPr lang="en-US" sz="3000" dirty="0"/>
           </a:p>
           <a:p>
+            <a:pPr lvl="1"/>
+            <a:endParaRPr lang="en-US" sz="3000" dirty="0"/>
+          </a:p>
+          <a:p>
             <a:pPr marL="1143000" lvl="1" indent="-685800">
-              <a:buFont typeface="Arial" panose="020B0604020202020204" pitchFamily="34" charset="0"/>
-              <a:buChar char="•"/>
+              <a:buBlip>
+                <a:blip r:embed="rId2"/>
+              </a:buBlip>
             </a:pPr>
             <a:r>
               <a:rPr lang="en-US" sz="3000" dirty="0"/>
-              <a:t>People who cannot see exits or do not know where exits are try to follow the direction of the crowd, creating a herding or flocking behavior:</a:t>
+              <a:t>People who cannot see exits try to 									 follow the direction of the crowd, 									   creating a herding or flocking behavior:</a:t>
             </a:r>
           </a:p>
           <a:p>
             <a:pPr marL="1143000" lvl="1" indent="-685800">
-              <a:buFont typeface="Arial" panose="020B0604020202020204" pitchFamily="34" charset="0"/>
-              <a:buChar char="•"/>
+              <a:buBlip>
+                <a:blip r:embed="rId2"/>
+              </a:buBlip>
             </a:pPr>
-            <a:endParaRPr lang="en-US" sz="3000" dirty="0"/>
-          </a:p>
-          <a:p>
-            <a:pPr marL="1143000" lvl="1" indent="-685800">
-              <a:buFont typeface="Arial" panose="020B0604020202020204" pitchFamily="34" charset="0"/>
-              <a:buChar char="•"/>
-            </a:pPr>
-            <a:endParaRPr lang="en-US" sz="3000" dirty="0"/>
-          </a:p>
-          <a:p>
-            <a:pPr lvl="1"/>
-            <a:endParaRPr lang="en-US" sz="3000" dirty="0"/>
-          </a:p>
-          <a:p>
-            <a:pPr lvl="1"/>
-            <a:endParaRPr lang="en-US" sz="3000" dirty="0"/>
-          </a:p>
-          <a:p>
-            <a:pPr lvl="1"/>
-            <a:endParaRPr lang="en-US" sz="3000" dirty="0"/>
-          </a:p>
-          <a:p>
-            <a:pPr lvl="1"/>
             <a:endParaRPr lang="en-US" sz="3000" dirty="0"/>
           </a:p>
         </p:txBody>
@@ -10439,15 +10405,15 @@
           <p:nvPr/>
         </p:nvPicPr>
         <p:blipFill>
-          <a:blip r:embed="rId2"/>
+          <a:blip r:embed="rId3"/>
           <a:stretch>
             <a:fillRect/>
           </a:stretch>
         </p:blipFill>
         <p:spPr>
           <a:xfrm>
-            <a:off x="15126070" y="14155710"/>
-            <a:ext cx="2650331" cy="2493169"/>
+            <a:off x="18849786" y="12653293"/>
+            <a:ext cx="2286000" cy="2286000"/>
           </a:xfrm>
           <a:prstGeom prst="rect">
             <a:avLst/>
@@ -10467,15 +10433,15 @@
           <p:nvPr/>
         </p:nvPicPr>
         <p:blipFill>
-          <a:blip r:embed="rId3"/>
+          <a:blip r:embed="rId4"/>
           <a:stretch>
             <a:fillRect/>
           </a:stretch>
         </p:blipFill>
         <p:spPr>
           <a:xfrm>
-            <a:off x="16553806" y="18319901"/>
-            <a:ext cx="2767013" cy="2695575"/>
+            <a:off x="18849786" y="15319288"/>
+            <a:ext cx="2286000" cy="2286000"/>
           </a:xfrm>
           <a:prstGeom prst="rect">
             <a:avLst/>
@@ -10521,16 +10487,16 @@
             </a:r>
           </a:p>
           <a:p>
-            <a:pPr lvl="1"/>
             <a:r>
               <a:rPr lang="en-US" sz="3000" dirty="0"/>
-              <a:t>At each tick, each person selects a target</a:t>
+              <a:t>At each tick, each person selects a target:</a:t>
             </a:r>
           </a:p>
           <a:p>
-            <a:pPr marL="1600200" lvl="2" indent="-685800">
-              <a:buFont typeface="Arial" panose="020B0604020202020204" pitchFamily="34" charset="0"/>
-              <a:buChar char="•"/>
+            <a:pPr marL="1143000" lvl="1" indent="-685800">
+              <a:buBlip>
+                <a:blip r:embed="rId2"/>
+              </a:buBlip>
             </a:pPr>
             <a:r>
               <a:rPr lang="en-US" sz="3000" dirty="0"/>
@@ -10538,19 +10504,21 @@
             </a:r>
           </a:p>
           <a:p>
-            <a:pPr marL="1600200" lvl="2" indent="-685800">
-              <a:buFont typeface="Arial" panose="020B0604020202020204" pitchFamily="34" charset="0"/>
-              <a:buChar char="•"/>
+            <a:pPr marL="1143000" lvl="1" indent="-685800">
+              <a:buBlip>
+                <a:blip r:embed="rId2"/>
+              </a:buBlip>
             </a:pPr>
             <a:r>
               <a:rPr lang="en-US" sz="3000" dirty="0"/>
-              <a:t>Select a visible checkpoint. If there are none, then,</a:t>
+              <a:t>Select a visible checkpoint. If there are none, then</a:t>
             </a:r>
           </a:p>
           <a:p>
-            <a:pPr marL="1600200" lvl="2" indent="-685800">
-              <a:buFont typeface="Arial" panose="020B0604020202020204" pitchFamily="34" charset="0"/>
-              <a:buChar char="•"/>
+            <a:pPr marL="1143000" lvl="1" indent="-685800">
+              <a:buBlip>
+                <a:blip r:embed="rId2"/>
+              </a:buBlip>
             </a:pPr>
             <a:r>
               <a:rPr lang="en-US" sz="3000" dirty="0"/>
@@ -10558,7 +10526,12 @@
             </a:r>
           </a:p>
           <a:p>
-            <a:pPr lvl="1"/>
+            <a:r>
+              <a:rPr lang="en-US" sz="3000" dirty="0"/>
+              <a:t>Pick an immediate-target based on target to move toward</a:t>
+            </a:r>
+          </a:p>
+          <a:p>
             <a:r>
               <a:rPr lang="en-US" sz="3000" dirty="0"/>
               <a:t>Selection is based on five </a:t>
@@ -10610,8 +10583,15 @@
           </a:p>
           <a:p>
             <a:pPr marL="1143000" lvl="1" indent="-685800">
-              <a:buFont typeface="+mj-lt"/>
-              <a:buAutoNum type="arabicPeriod"/>
+              <a:buBlip>
+                <a:blip r:embed="rId5">
+                  <a:extLst>
+                    <a:ext uri="{96DAC541-7B7A-43D3-8B79-37D633B846F1}">
+                      <asvg:svgBlip xmlns:asvg="http://schemas.microsoft.com/office/drawing/2016/SVG/main" r:embed="rId6"/>
+                    </a:ext>
+                  </a:extLst>
+                </a:blip>
+              </a:buBlip>
             </a:pPr>
             <a:r>
               <a:rPr lang="en-US" sz="3000" u="sng" dirty="0"/>
@@ -10619,13 +10599,20 @@
             </a:r>
             <a:r>
               <a:rPr lang="en-US" sz="3000" dirty="0"/>
-              <a:t>: How crowded is it?</a:t>
+              <a:t>: How crowded is the patch?</a:t>
             </a:r>
           </a:p>
           <a:p>
             <a:pPr marL="1143000" lvl="1" indent="-685800">
-              <a:buFont typeface="+mj-lt"/>
-              <a:buAutoNum type="arabicPeriod"/>
+              <a:buBlip>
+                <a:blip r:embed="rId7">
+                  <a:extLst>
+                    <a:ext uri="{96DAC541-7B7A-43D3-8B79-37D633B846F1}">
+                      <asvg:svgBlip xmlns:asvg="http://schemas.microsoft.com/office/drawing/2016/SVG/main" r:embed="rId8"/>
+                    </a:ext>
+                  </a:extLst>
+                </a:blip>
+              </a:buBlip>
             </a:pPr>
             <a:r>
               <a:rPr lang="en-US" sz="3000" u="sng" dirty="0"/>
@@ -10638,8 +10625,15 @@
           </a:p>
           <a:p>
             <a:pPr marL="1143000" lvl="1" indent="-685800">
-              <a:buFont typeface="+mj-lt"/>
-              <a:buAutoNum type="arabicPeriod"/>
+              <a:buBlip>
+                <a:blip r:embed="rId9">
+                  <a:extLst>
+                    <a:ext uri="{96DAC541-7B7A-43D3-8B79-37D633B846F1}">
+                      <asvg:svgBlip xmlns:asvg="http://schemas.microsoft.com/office/drawing/2016/SVG/main" r:embed="rId10"/>
+                    </a:ext>
+                  </a:extLst>
+                </a:blip>
+              </a:buBlip>
             </a:pPr>
             <a:r>
               <a:rPr lang="en-US" sz="3000" u="sng" dirty="0"/>
@@ -10652,8 +10646,15 @@
           </a:p>
           <a:p>
             <a:pPr marL="1143000" lvl="1" indent="-685800">
-              <a:buFont typeface="+mj-lt"/>
-              <a:buAutoNum type="arabicPeriod"/>
+              <a:buBlip>
+                <a:blip r:embed="rId11">
+                  <a:extLst>
+                    <a:ext uri="{96DAC541-7B7A-43D3-8B79-37D633B846F1}">
+                      <asvg:svgBlip xmlns:asvg="http://schemas.microsoft.com/office/drawing/2016/SVG/main" r:embed="rId12"/>
+                    </a:ext>
+                  </a:extLst>
+                </a:blip>
+              </a:buBlip>
             </a:pPr>
             <a:r>
               <a:rPr lang="en-US" sz="3000" u="sng" dirty="0"/>
@@ -10666,12 +10667,19 @@
           </a:p>
           <a:p>
             <a:pPr marL="1143000" lvl="1" indent="-685800">
-              <a:buFont typeface="+mj-lt"/>
-              <a:buAutoNum type="arabicPeriod"/>
+              <a:buBlip>
+                <a:blip r:embed="rId13">
+                  <a:extLst>
+                    <a:ext uri="{96DAC541-7B7A-43D3-8B79-37D633B846F1}">
+                      <asvg:svgBlip xmlns:asvg="http://schemas.microsoft.com/office/drawing/2016/SVG/main" r:embed="rId14"/>
+                    </a:ext>
+                  </a:extLst>
+                </a:blip>
+              </a:buBlip>
             </a:pPr>
             <a:r>
               <a:rPr lang="en-US" sz="3000" u="sng" dirty="0"/>
-              <a:t>Crowd heading</a:t>
+              <a:t>Crowd direction</a:t>
             </a:r>
             <a:r>
               <a:rPr lang="en-US" sz="3000" dirty="0"/>
@@ -10740,8 +10748,8 @@
         </p:nvSpPr>
         <p:spPr>
           <a:xfrm>
-            <a:off x="22282379" y="3738346"/>
-            <a:ext cx="10046739" cy="3247043"/>
+            <a:off x="10355804" y="18290329"/>
+            <a:ext cx="11552860" cy="3247043"/>
           </a:xfrm>
           <a:prstGeom prst="rect">
             <a:avLst/>
@@ -10765,16 +10773,16 @@
             </a:r>
           </a:p>
           <a:p>
-            <a:pPr lvl="1"/>
             <a:r>
               <a:rPr lang="en-US" sz="3000" dirty="0"/>
-              <a:t>Three parameters were tested against number of people</a:t>
+              <a:t>Three parameters were tested against number of people:</a:t>
             </a:r>
           </a:p>
           <a:p>
-            <a:pPr marL="1600200" lvl="2" indent="-685800">
-              <a:buFont typeface="Arial" panose="020B0604020202020204" pitchFamily="34" charset="0"/>
-              <a:buChar char="•"/>
+            <a:pPr marL="1143000" lvl="1" indent="-685800">
+              <a:buBlip>
+                <a:blip r:embed="rId2"/>
+              </a:buBlip>
             </a:pPr>
             <a:r>
               <a:rPr lang="en-US" sz="3000" dirty="0"/>
@@ -10782,9 +10790,10 @@
             </a:r>
           </a:p>
           <a:p>
-            <a:pPr marL="1600200" lvl="2" indent="-685800">
-              <a:buFont typeface="Arial" panose="020B0604020202020204" pitchFamily="34" charset="0"/>
-              <a:buChar char="•"/>
+            <a:pPr marL="1143000" lvl="1" indent="-685800">
+              <a:buBlip>
+                <a:blip r:embed="rId2"/>
+              </a:buBlip>
             </a:pPr>
             <a:r>
               <a:rPr lang="en-US" sz="3000" dirty="0"/>
@@ -10792,9 +10801,10 @@
             </a:r>
           </a:p>
           <a:p>
-            <a:pPr marL="1600200" lvl="2" indent="-685800">
-              <a:buFont typeface="Arial" panose="020B0604020202020204" pitchFamily="34" charset="0"/>
-              <a:buChar char="•"/>
+            <a:pPr marL="1143000" lvl="1" indent="-685800">
+              <a:buBlip>
+                <a:blip r:embed="rId2"/>
+              </a:buBlip>
             </a:pPr>
             <a:r>
               <a:rPr lang="en-US" sz="3000" dirty="0"/>
@@ -10818,7 +10828,7 @@
           <p:nvPr/>
         </p:nvPicPr>
         <p:blipFill>
-          <a:blip r:embed="rId4"/>
+          <a:blip r:embed="rId15"/>
           <a:stretch>
             <a:fillRect/>
           </a:stretch>
@@ -10854,8 +10864,8 @@
         </p:nvSpPr>
         <p:spPr>
           <a:xfrm>
-            <a:off x="22282378" y="7239764"/>
-            <a:ext cx="10046739" cy="14326999"/>
+            <a:off x="22266516" y="3754802"/>
+            <a:ext cx="10046739" cy="7402026"/>
           </a:xfrm>
           <a:prstGeom prst="rect">
             <a:avLst/>
@@ -10916,41 +10926,6 @@
           </a:p>
           <a:p>
             <a:endParaRPr lang="en-US" sz="3000" dirty="0"/>
-          </a:p>
-          <a:p>
-            <a:endParaRPr lang="en-US" sz="3000" dirty="0"/>
-          </a:p>
-          <a:p>
-            <a:endParaRPr lang="en-US" sz="3000" dirty="0"/>
-          </a:p>
-          <a:p>
-            <a:endParaRPr lang="en-US" sz="3000" dirty="0"/>
-          </a:p>
-          <a:p>
-            <a:endParaRPr lang="en-US" sz="3000" dirty="0"/>
-          </a:p>
-          <a:p>
-            <a:endParaRPr lang="en-US" sz="3000" dirty="0"/>
-          </a:p>
-          <a:p>
-            <a:endParaRPr lang="en-US" sz="3000" dirty="0"/>
-          </a:p>
-          <a:p>
-            <a:endParaRPr lang="en-US" sz="3000" dirty="0"/>
-          </a:p>
-          <a:p>
-            <a:r>
-              <a:rPr lang="en-US" sz="3000" dirty="0"/>
-              <a:t>Having exits very close together increases evacuation time, because the crowds around two exits merge into an even larger one. Exits far apart are bad, too, because redistribution between exits takes longer. Larger hallways are better when there are not that many people (over 100), but it either doesn’t matter or might even be slightly worse when there are lots of people </a:t>
-            </a:r>
-            <a:r>
-              <a:rPr lang="en-US" sz="3000"/>
-              <a:t>(under </a:t>
-            </a:r>
-            <a:r>
-              <a:rPr lang="en-US" sz="3000" dirty="0"/>
-              <a:t>100). In general, more rooms are better, except when there are fewer (50) people in the room.</a:t>
-            </a:r>
           </a:p>
         </p:txBody>
       </p:sp>
@@ -10969,18 +10944,18 @@
           <p:nvPr>
             <p:extLst>
               <p:ext uri="{D42A27DB-BD31-4B8C-83A1-F6EECF244321}">
-                <p14:modId xmlns:p14="http://schemas.microsoft.com/office/powerpoint/2010/main" val="2700242266"/>
+                <p14:modId xmlns:p14="http://schemas.microsoft.com/office/powerpoint/2010/main" val="739866901"/>
               </p:ext>
             </p:extLst>
           </p:nvPr>
         </p:nvGraphicFramePr>
         <p:xfrm>
-          <a:off x="22618313" y="8451399"/>
-          <a:ext cx="2971800" cy="8840921"/>
+          <a:off x="22618312" y="4873151"/>
+          <a:ext cx="2971800" cy="5937089"/>
         </p:xfrm>
         <a:graphic>
           <a:graphicData uri="http://schemas.openxmlformats.org/drawingml/2006/chart">
-            <c:chart xmlns:c="http://schemas.openxmlformats.org/drawingml/2006/chart" xmlns:r="http://schemas.openxmlformats.org/officeDocument/2006/relationships" r:id="rId5"/>
+            <c:chart xmlns:c="http://schemas.openxmlformats.org/drawingml/2006/chart" xmlns:r="http://schemas.openxmlformats.org/officeDocument/2006/relationships" r:id="rId16"/>
           </a:graphicData>
         </a:graphic>
       </p:graphicFrame>
@@ -10999,18 +10974,18 @@
           <p:nvPr>
             <p:extLst>
               <p:ext uri="{D42A27DB-BD31-4B8C-83A1-F6EECF244321}">
-                <p14:modId xmlns:p14="http://schemas.microsoft.com/office/powerpoint/2010/main" val="2273714127"/>
+                <p14:modId xmlns:p14="http://schemas.microsoft.com/office/powerpoint/2010/main" val="3766374528"/>
               </p:ext>
             </p:extLst>
           </p:nvPr>
         </p:nvGraphicFramePr>
         <p:xfrm>
-          <a:off x="25840002" y="8451399"/>
-          <a:ext cx="2971800" cy="8840921"/>
+          <a:off x="25840001" y="4873151"/>
+          <a:ext cx="2971800" cy="5937089"/>
         </p:xfrm>
         <a:graphic>
           <a:graphicData uri="http://schemas.openxmlformats.org/drawingml/2006/chart">
-            <c:chart xmlns:c="http://schemas.openxmlformats.org/drawingml/2006/chart" xmlns:r="http://schemas.openxmlformats.org/officeDocument/2006/relationships" r:id="rId6"/>
+            <c:chart xmlns:c="http://schemas.openxmlformats.org/drawingml/2006/chart" xmlns:r="http://schemas.openxmlformats.org/officeDocument/2006/relationships" r:id="rId17"/>
           </a:graphicData>
         </a:graphic>
       </p:graphicFrame>
@@ -11029,21 +11004,146 @@
           <p:nvPr>
             <p:extLst>
               <p:ext uri="{D42A27DB-BD31-4B8C-83A1-F6EECF244321}">
-                <p14:modId xmlns:p14="http://schemas.microsoft.com/office/powerpoint/2010/main" val="2341274958"/>
+                <p14:modId xmlns:p14="http://schemas.microsoft.com/office/powerpoint/2010/main" val="2527133585"/>
               </p:ext>
             </p:extLst>
           </p:nvPr>
         </p:nvGraphicFramePr>
         <p:xfrm>
-          <a:off x="29061692" y="8451400"/>
-          <a:ext cx="2971800" cy="8840920"/>
+          <a:off x="29061691" y="4873152"/>
+          <a:ext cx="2971800" cy="5937088"/>
         </p:xfrm>
         <a:graphic>
           <a:graphicData uri="http://schemas.openxmlformats.org/drawingml/2006/chart">
-            <c:chart xmlns:c="http://schemas.openxmlformats.org/drawingml/2006/chart" xmlns:r="http://schemas.openxmlformats.org/officeDocument/2006/relationships" r:id="rId7"/>
+            <c:chart xmlns:c="http://schemas.openxmlformats.org/drawingml/2006/chart" xmlns:r="http://schemas.openxmlformats.org/officeDocument/2006/relationships" r:id="rId18"/>
           </a:graphicData>
         </a:graphic>
       </p:graphicFrame>
+      <p:sp>
+        <p:nvSpPr>
+          <p:cNvPr id="18" name="TextBox 17">
+            <a:extLst>
+              <a:ext uri="{FF2B5EF4-FFF2-40B4-BE49-F238E27FC236}">
+                <a16:creationId xmlns:a16="http://schemas.microsoft.com/office/drawing/2014/main" id="{36011367-E62B-4217-849C-039907EB999D}"/>
+              </a:ext>
+            </a:extLst>
+          </p:cNvPr>
+          <p:cNvSpPr txBox="1"/>
+          <p:nvPr/>
+        </p:nvSpPr>
+        <p:spPr>
+          <a:xfrm>
+            <a:off x="22274446" y="11484230"/>
+            <a:ext cx="10046739" cy="4632037"/>
+          </a:xfrm>
+          <a:prstGeom prst="rect">
+            <a:avLst/>
+          </a:prstGeom>
+          <a:solidFill>
+            <a:schemeClr val="accent1">
+              <a:lumMod val="20000"/>
+              <a:lumOff val="80000"/>
+            </a:schemeClr>
+          </a:solidFill>
+        </p:spPr>
+        <p:txBody>
+          <a:bodyPr wrap="square" lIns="274320" rIns="274320" bIns="274320" rtlCol="0">
+            <a:spAutoFit/>
+          </a:bodyPr>
+          <a:lstStyle/>
+          <a:p>
+            <a:r>
+              <a:rPr lang="en-US" sz="7000" dirty="0"/>
+              <a:t>Discussion</a:t>
+            </a:r>
+          </a:p>
+          <a:p>
+            <a:r>
+              <a:rPr lang="en-US" sz="3000" dirty="0"/>
+              <a:t>Having exits close together increases evacuation time, because crowds around two exits merge into a larger one. Exits too far apart are bad, too, because redistribution between exits takes longer. Larger hallways are better when there are not that many people, but it doesn’t matter much when there are lots of people. In general, more rooms are better, unless there are few people in the room.</a:t>
+            </a:r>
+          </a:p>
+        </p:txBody>
+      </p:sp>
+      <p:sp>
+        <p:nvSpPr>
+          <p:cNvPr id="20" name="TextBox 19">
+            <a:extLst>
+              <a:ext uri="{FF2B5EF4-FFF2-40B4-BE49-F238E27FC236}">
+                <a16:creationId xmlns:a16="http://schemas.microsoft.com/office/drawing/2014/main" id="{943FC5F7-F4DE-4915-A16B-DE8F7A30849D}"/>
+              </a:ext>
+            </a:extLst>
+          </p:cNvPr>
+          <p:cNvSpPr txBox="1"/>
+          <p:nvPr/>
+        </p:nvSpPr>
+        <p:spPr>
+          <a:xfrm>
+            <a:off x="22282378" y="16443670"/>
+            <a:ext cx="10030877" cy="5093702"/>
+          </a:xfrm>
+          <a:prstGeom prst="rect">
+            <a:avLst/>
+          </a:prstGeom>
+          <a:solidFill>
+            <a:schemeClr val="accent1">
+              <a:lumMod val="20000"/>
+              <a:lumOff val="80000"/>
+            </a:schemeClr>
+          </a:solidFill>
+        </p:spPr>
+        <p:txBody>
+          <a:bodyPr wrap="square" lIns="274320" rIns="274320" bIns="274320" rtlCol="0">
+            <a:spAutoFit/>
+          </a:bodyPr>
+          <a:lstStyle/>
+          <a:p>
+            <a:r>
+              <a:rPr lang="en-US" sz="7000" dirty="0"/>
+              <a:t>Possible Extensions</a:t>
+            </a:r>
+          </a:p>
+          <a:p>
+            <a:r>
+              <a:rPr lang="en-US" sz="3000" dirty="0"/>
+              <a:t>There are many ways to extend this model. Here are a few ideas:</a:t>
+            </a:r>
+          </a:p>
+          <a:p>
+            <a:pPr marL="1143000" lvl="1" indent="-685800">
+              <a:buBlip>
+                <a:blip r:embed="rId2"/>
+              </a:buBlip>
+            </a:pPr>
+            <a:r>
+              <a:rPr lang="en-US" sz="3000" dirty="0"/>
+              <a:t>Many buildings have tables or other miscellaneous obstacles</a:t>
+            </a:r>
+          </a:p>
+          <a:p>
+            <a:pPr marL="1143000" lvl="1" indent="-685800">
+              <a:buBlip>
+                <a:blip r:embed="rId2"/>
+              </a:buBlip>
+            </a:pPr>
+            <a:r>
+              <a:rPr lang="en-US" sz="3000" dirty="0"/>
+              <a:t>Can a purely heuristic model without checkpoints still exhibit realistic behavior?</a:t>
+            </a:r>
+          </a:p>
+          <a:p>
+            <a:pPr marL="1143000" lvl="1" indent="-685800">
+              <a:buBlip>
+                <a:blip r:embed="rId2"/>
+              </a:buBlip>
+            </a:pPr>
+            <a:r>
+              <a:rPr lang="en-US" sz="3000" dirty="0"/>
+              <a:t>Heuristic weights can be turned into tunable parameters</a:t>
+            </a:r>
+          </a:p>
+        </p:txBody>
+      </p:sp>
     </p:spTree>
     <p:extLst>
       <p:ext uri="{BB962C8B-B14F-4D97-AF65-F5344CB8AC3E}">
